--- a/pitch.pptx
+++ b/pitch.pptx
@@ -104,6 +104,11 @@
       </a:defRPr>
     </a:lvl9pPr>
   </p:defaultTextStyle>
+  <p:extLst>
+    <p:ext uri="{EFAFB233-063F-42B5-8137-9DF3F51BA10A}">
+      <p15:sldGuideLst xmlns:p15="http://schemas.microsoft.com/office/powerpoint/2012/main"/>
+    </p:ext>
+  </p:extLst>
 </p:presentation>
 </file>
 
@@ -3383,6 +3388,64 @@
           </a:p>
         </p:txBody>
       </p:sp>
+      <p:sp>
+        <p:nvSpPr>
+          <p:cNvPr id="4" name="Oval 3">
+            <a:extLst>
+              <a:ext uri="{FF2B5EF4-FFF2-40B4-BE49-F238E27FC236}">
+                <a16:creationId xmlns:a16="http://schemas.microsoft.com/office/drawing/2014/main" id="{1032CA94-D3AB-49C2-8EE0-F7F8B8488BCA}"/>
+              </a:ext>
+            </a:extLst>
+          </p:cNvPr>
+          <p:cNvSpPr/>
+          <p:nvPr/>
+        </p:nvSpPr>
+        <p:spPr>
+          <a:xfrm>
+            <a:off x="9505244" y="1986844"/>
+            <a:ext cx="1851378" cy="1738489"/>
+          </a:xfrm>
+          <a:prstGeom prst="ellipse">
+            <a:avLst/>
+          </a:prstGeom>
+        </p:spPr>
+        <p:style>
+          <a:lnRef idx="2">
+            <a:schemeClr val="accent2">
+              <a:shade val="50000"/>
+            </a:schemeClr>
+          </a:lnRef>
+          <a:fillRef idx="1">
+            <a:schemeClr val="accent2"/>
+          </a:fillRef>
+          <a:effectRef idx="0">
+            <a:schemeClr val="accent2"/>
+          </a:effectRef>
+          <a:fontRef idx="minor">
+            <a:schemeClr val="lt1"/>
+          </a:fontRef>
+        </p:style>
+        <p:txBody>
+          <a:bodyPr rtlCol="0" anchor="ctr"/>
+          <a:lstStyle/>
+          <a:p>
+            <a:pPr algn="ctr"/>
+            <a:endParaRPr lang="en-US">
+              <a:ln w="0"/>
+              <a:solidFill>
+                <a:schemeClr val="tx1"/>
+              </a:solidFill>
+              <a:effectLst>
+                <a:outerShdw blurRad="38100" dist="19050" dir="2700000" algn="tl" rotWithShape="0">
+                  <a:schemeClr val="dk1">
+                    <a:alpha val="40000"/>
+                  </a:schemeClr>
+                </a:outerShdw>
+              </a:effectLst>
+            </a:endParaRPr>
+          </a:p>
+        </p:txBody>
+      </p:sp>
     </p:spTree>
     <p:extLst>
       <p:ext uri="{BB962C8B-B14F-4D97-AF65-F5344CB8AC3E}">

--- a/pitch.pptx
+++ b/pitch.pptx
@@ -3390,10 +3390,10 @@
       </p:sp>
       <p:sp>
         <p:nvSpPr>
-          <p:cNvPr id="4" name="Oval 3">
-            <a:extLst>
-              <a:ext uri="{FF2B5EF4-FFF2-40B4-BE49-F238E27FC236}">
-                <a16:creationId xmlns:a16="http://schemas.microsoft.com/office/drawing/2014/main" id="{1032CA94-D3AB-49C2-8EE0-F7F8B8488BCA}"/>
+          <p:cNvPr id="5" name="Rectangle 4">
+            <a:extLst>
+              <a:ext uri="{FF2B5EF4-FFF2-40B4-BE49-F238E27FC236}">
+                <a16:creationId xmlns:a16="http://schemas.microsoft.com/office/drawing/2014/main" id="{24155989-1771-47A5-8151-6F6F70AA8770}"/>
               </a:ext>
             </a:extLst>
           </p:cNvPr>
@@ -3402,10 +3402,10 @@
         </p:nvSpPr>
         <p:spPr>
           <a:xfrm>
-            <a:off x="9505244" y="1986844"/>
-            <a:ext cx="1851378" cy="1738489"/>
+            <a:off x="564445" y="3568170"/>
+            <a:ext cx="2528711" cy="2167467"/>
           </a:xfrm>
-          <a:prstGeom prst="ellipse">
+          <a:prstGeom prst="rect">
             <a:avLst/>
           </a:prstGeom>
         </p:spPr>
@@ -3430,19 +3430,7 @@
           <a:lstStyle/>
           <a:p>
             <a:pPr algn="ctr"/>
-            <a:endParaRPr lang="en-US">
-              <a:ln w="0"/>
-              <a:solidFill>
-                <a:schemeClr val="tx1"/>
-              </a:solidFill>
-              <a:effectLst>
-                <a:outerShdw blurRad="38100" dist="19050" dir="2700000" algn="tl" rotWithShape="0">
-                  <a:schemeClr val="dk1">
-                    <a:alpha val="40000"/>
-                  </a:schemeClr>
-                </a:outerShdw>
-              </a:effectLst>
-            </a:endParaRPr>
+            <a:endParaRPr lang="en-US"/>
           </a:p>
         </p:txBody>
       </p:sp>
